--- a/PresentationCXI (1).pptx
+++ b/PresentationCXI (1).pptx
@@ -24969,7 +24969,7 @@
     </p:spTree>
     <p:extLst>
       <p:ext uri="{BB962C8B-B14F-4D97-AF65-F5344CB8AC3E}">
-        <p14:creationId xmlns:p14="http://schemas.microsoft.com/office/powerpoint/2010/main" xmlns="" val="559614218"/>
+        <p14:creationId xmlns="" xmlns:p14="http://schemas.microsoft.com/office/powerpoint/2010/main" val="559614218"/>
       </p:ext>
     </p:extLst>
   </p:cSld>
@@ -25141,7 +25141,7 @@
     </p:spTree>
     <p:extLst>
       <p:ext uri="{BB962C8B-B14F-4D97-AF65-F5344CB8AC3E}">
-        <p14:creationId xmlns:p14="http://schemas.microsoft.com/office/powerpoint/2010/main" xmlns="" val="1537125506"/>
+        <p14:creationId xmlns="" xmlns:p14="http://schemas.microsoft.com/office/powerpoint/2010/main" val="1537125506"/>
       </p:ext>
     </p:extLst>
   </p:cSld>
@@ -25323,7 +25323,7 @@
     </p:spTree>
     <p:extLst>
       <p:ext uri="{BB962C8B-B14F-4D97-AF65-F5344CB8AC3E}">
-        <p14:creationId xmlns:p14="http://schemas.microsoft.com/office/powerpoint/2010/main" xmlns="" val="1702558134"/>
+        <p14:creationId xmlns="" xmlns:p14="http://schemas.microsoft.com/office/powerpoint/2010/main" val="1702558134"/>
       </p:ext>
     </p:extLst>
   </p:cSld>
@@ -25495,7 +25495,7 @@
     </p:spTree>
     <p:extLst>
       <p:ext uri="{BB962C8B-B14F-4D97-AF65-F5344CB8AC3E}">
-        <p14:creationId xmlns:p14="http://schemas.microsoft.com/office/powerpoint/2010/main" xmlns="" val="2889348609"/>
+        <p14:creationId xmlns="" xmlns:p14="http://schemas.microsoft.com/office/powerpoint/2010/main" val="2889348609"/>
       </p:ext>
     </p:extLst>
   </p:cSld>
@@ -25765,7 +25765,7 @@
     </p:spTree>
     <p:extLst>
       <p:ext uri="{BB962C8B-B14F-4D97-AF65-F5344CB8AC3E}">
-        <p14:creationId xmlns:p14="http://schemas.microsoft.com/office/powerpoint/2010/main" xmlns="" val="3127015184"/>
+        <p14:creationId xmlns="" xmlns:p14="http://schemas.microsoft.com/office/powerpoint/2010/main" val="3127015184"/>
       </p:ext>
     </p:extLst>
   </p:cSld>
@@ -25999,7 +25999,7 @@
     </p:spTree>
     <p:extLst>
       <p:ext uri="{BB962C8B-B14F-4D97-AF65-F5344CB8AC3E}">
-        <p14:creationId xmlns:p14="http://schemas.microsoft.com/office/powerpoint/2010/main" xmlns="" val="2314284616"/>
+        <p14:creationId xmlns="" xmlns:p14="http://schemas.microsoft.com/office/powerpoint/2010/main" val="2314284616"/>
       </p:ext>
     </p:extLst>
   </p:cSld>
@@ -26383,7 +26383,7 @@
     </p:spTree>
     <p:extLst>
       <p:ext uri="{BB962C8B-B14F-4D97-AF65-F5344CB8AC3E}">
-        <p14:creationId xmlns:p14="http://schemas.microsoft.com/office/powerpoint/2010/main" xmlns="" val="4062321801"/>
+        <p14:creationId xmlns="" xmlns:p14="http://schemas.microsoft.com/office/powerpoint/2010/main" val="4062321801"/>
       </p:ext>
     </p:extLst>
   </p:cSld>
@@ -26503,7 +26503,7 @@
     </p:spTree>
     <p:extLst>
       <p:ext uri="{BB962C8B-B14F-4D97-AF65-F5344CB8AC3E}">
-        <p14:creationId xmlns:p14="http://schemas.microsoft.com/office/powerpoint/2010/main" xmlns="" val="3079794253"/>
+        <p14:creationId xmlns="" xmlns:p14="http://schemas.microsoft.com/office/powerpoint/2010/main" val="3079794253"/>
       </p:ext>
     </p:extLst>
   </p:cSld>
@@ -26600,7 +26600,7 @@
     </p:spTree>
     <p:extLst>
       <p:ext uri="{BB962C8B-B14F-4D97-AF65-F5344CB8AC3E}">
-        <p14:creationId xmlns:p14="http://schemas.microsoft.com/office/powerpoint/2010/main" xmlns="" val="514532059"/>
+        <p14:creationId xmlns="" xmlns:p14="http://schemas.microsoft.com/office/powerpoint/2010/main" val="514532059"/>
       </p:ext>
     </p:extLst>
   </p:cSld>
@@ -26976,7 +26976,7 @@
     </p:spTree>
     <p:extLst>
       <p:ext uri="{BB962C8B-B14F-4D97-AF65-F5344CB8AC3E}">
-        <p14:creationId xmlns:p14="http://schemas.microsoft.com/office/powerpoint/2010/main" xmlns="" val="279330763"/>
+        <p14:creationId xmlns="" xmlns:p14="http://schemas.microsoft.com/office/powerpoint/2010/main" val="279330763"/>
       </p:ext>
     </p:extLst>
   </p:cSld>
@@ -27337,7 +27337,7 @@
     </p:spTree>
     <p:extLst>
       <p:ext uri="{BB962C8B-B14F-4D97-AF65-F5344CB8AC3E}">
-        <p14:creationId xmlns:p14="http://schemas.microsoft.com/office/powerpoint/2010/main" xmlns="" val="2220171780"/>
+        <p14:creationId xmlns="" xmlns:p14="http://schemas.microsoft.com/office/powerpoint/2010/main" val="2220171780"/>
       </p:ext>
     </p:extLst>
   </p:cSld>
@@ -27607,7 +27607,7 @@
     </p:spTree>
     <p:extLst>
       <p:ext uri="{BB962C8B-B14F-4D97-AF65-F5344CB8AC3E}">
-        <p14:creationId xmlns:p14="http://schemas.microsoft.com/office/powerpoint/2010/main" xmlns="" val="3214849162"/>
+        <p14:creationId xmlns="" xmlns:p14="http://schemas.microsoft.com/office/powerpoint/2010/main" val="3214849162"/>
       </p:ext>
     </p:extLst>
   </p:cSld>
@@ -27980,7 +27980,7 @@
           <p:cNvPr id="2" name="Picture 1">
             <a:extLst>
               <a:ext uri="{FF2B5EF4-FFF2-40B4-BE49-F238E27FC236}">
-                <a16:creationId xmlns:a16="http://schemas.microsoft.com/office/drawing/2014/main" xmlns="" id="{12FEE9A3-C3B7-40C6-9B7F-8228A25D09AE}"/>
+                <a16:creationId xmlns="" xmlns:a16="http://schemas.microsoft.com/office/drawing/2014/main" id="{12FEE9A3-C3B7-40C6-9B7F-8228A25D09AE}"/>
               </a:ext>
             </a:extLst>
           </p:cNvPr>
@@ -28010,7 +28010,7 @@
           <p:cNvPr id="3" name="TextBox 2">
             <a:extLst>
               <a:ext uri="{FF2B5EF4-FFF2-40B4-BE49-F238E27FC236}">
-                <a16:creationId xmlns:a16="http://schemas.microsoft.com/office/drawing/2014/main" xmlns="" id="{48377ACD-2957-4DE3-923F-4EB3C8BFEC52}"/>
+                <a16:creationId xmlns="" xmlns:a16="http://schemas.microsoft.com/office/drawing/2014/main" id="{48377ACD-2957-4DE3-923F-4EB3C8BFEC52}"/>
               </a:ext>
             </a:extLst>
           </p:cNvPr>
@@ -28126,7 +28126,7 @@
     </p:spTree>
     <p:extLst>
       <p:ext uri="{BB962C8B-B14F-4D97-AF65-F5344CB8AC3E}">
-        <p14:creationId xmlns:p14="http://schemas.microsoft.com/office/powerpoint/2010/main" xmlns="" val="3999666491"/>
+        <p14:creationId xmlns="" xmlns:p14="http://schemas.microsoft.com/office/powerpoint/2010/main" val="3999666491"/>
       </p:ext>
     </p:extLst>
   </p:cSld>
@@ -28258,7 +28258,7 @@
     </p:spTree>
     <p:extLst>
       <p:ext uri="{BB962C8B-B14F-4D97-AF65-F5344CB8AC3E}">
-        <p14:creationId xmlns:p14="http://schemas.microsoft.com/office/powerpoint/2010/main" xmlns="" val="251594480"/>
+        <p14:creationId xmlns="" xmlns:p14="http://schemas.microsoft.com/office/powerpoint/2010/main" val="251594480"/>
       </p:ext>
     </p:extLst>
   </p:cSld>
@@ -28298,7 +28298,7 @@
           <p:cNvPr id="2" name="TextBox 1">
             <a:extLst>
               <a:ext uri="{FF2B5EF4-FFF2-40B4-BE49-F238E27FC236}">
-                <a16:creationId xmlns:a16="http://schemas.microsoft.com/office/drawing/2014/main" xmlns="" id="{607B4216-96BF-46B8-BB7E-495CBC497999}"/>
+                <a16:creationId xmlns="" xmlns:a16="http://schemas.microsoft.com/office/drawing/2014/main" id="{607B4216-96BF-46B8-BB7E-495CBC497999}"/>
               </a:ext>
             </a:extLst>
           </p:cNvPr>
@@ -28333,7 +28333,7 @@
           <p:cNvPr id="3" name="Diagram 2">
             <a:extLst>
               <a:ext uri="{FF2B5EF4-FFF2-40B4-BE49-F238E27FC236}">
-                <a16:creationId xmlns:a16="http://schemas.microsoft.com/office/drawing/2014/main" xmlns="" id="{58013622-9B50-417F-87AC-8B8B2E4F16C4}"/>
+                <a16:creationId xmlns="" xmlns:a16="http://schemas.microsoft.com/office/drawing/2014/main" id="{58013622-9B50-417F-87AC-8B8B2E4F16C4}"/>
               </a:ext>
             </a:extLst>
           </p:cNvPr>
@@ -28341,7 +28341,7 @@
           <p:nvPr>
             <p:extLst>
               <p:ext uri="{D42A27DB-BD31-4B8C-83A1-F6EECF244321}">
-                <p14:modId xmlns:p14="http://schemas.microsoft.com/office/powerpoint/2010/main" xmlns="" val="771283274"/>
+                <p14:modId xmlns="" xmlns:p14="http://schemas.microsoft.com/office/powerpoint/2010/main" val="771283274"/>
               </p:ext>
             </p:extLst>
           </p:nvPr>
@@ -28361,7 +28361,7 @@
           <p:cNvPr id="4" name="TextBox 3">
             <a:extLst>
               <a:ext uri="{FF2B5EF4-FFF2-40B4-BE49-F238E27FC236}">
-                <a16:creationId xmlns:a16="http://schemas.microsoft.com/office/drawing/2014/main" xmlns="" id="{CD2DE4A7-0EC9-4A77-8319-09841B2BF357}"/>
+                <a16:creationId xmlns="" xmlns:a16="http://schemas.microsoft.com/office/drawing/2014/main" id="{CD2DE4A7-0EC9-4A77-8319-09841B2BF357}"/>
               </a:ext>
             </a:extLst>
           </p:cNvPr>
@@ -28408,7 +28408,7 @@
           <p:cNvPr id="6" name="TextBox 5">
             <a:extLst>
               <a:ext uri="{FF2B5EF4-FFF2-40B4-BE49-F238E27FC236}">
-                <a16:creationId xmlns:a16="http://schemas.microsoft.com/office/drawing/2014/main" xmlns="" id="{DC558BD5-4EFB-4D3B-B416-600C5201BB14}"/>
+                <a16:creationId xmlns="" xmlns:a16="http://schemas.microsoft.com/office/drawing/2014/main" id="{DC558BD5-4EFB-4D3B-B416-600C5201BB14}"/>
               </a:ext>
             </a:extLst>
           </p:cNvPr>
@@ -28443,7 +28443,7 @@
           <p:cNvPr id="7" name="TextBox 6">
             <a:extLst>
               <a:ext uri="{FF2B5EF4-FFF2-40B4-BE49-F238E27FC236}">
-                <a16:creationId xmlns:a16="http://schemas.microsoft.com/office/drawing/2014/main" xmlns="" id="{D2362E49-0784-488F-BB77-9D01898DA376}"/>
+                <a16:creationId xmlns="" xmlns:a16="http://schemas.microsoft.com/office/drawing/2014/main" id="{D2362E49-0784-488F-BB77-9D01898DA376}"/>
               </a:ext>
             </a:extLst>
           </p:cNvPr>
@@ -28482,7 +28482,7 @@
           <p:cNvPr id="8" name="TextBox 7">
             <a:extLst>
               <a:ext uri="{FF2B5EF4-FFF2-40B4-BE49-F238E27FC236}">
-                <a16:creationId xmlns:a16="http://schemas.microsoft.com/office/drawing/2014/main" xmlns="" id="{A14385F4-8EE1-4A20-905D-5EF8B3C71F33}"/>
+                <a16:creationId xmlns="" xmlns:a16="http://schemas.microsoft.com/office/drawing/2014/main" id="{A14385F4-8EE1-4A20-905D-5EF8B3C71F33}"/>
               </a:ext>
             </a:extLst>
           </p:cNvPr>
@@ -28526,7 +28526,7 @@
           <p:cNvPr id="9" name="TextBox 8">
             <a:extLst>
               <a:ext uri="{FF2B5EF4-FFF2-40B4-BE49-F238E27FC236}">
-                <a16:creationId xmlns:a16="http://schemas.microsoft.com/office/drawing/2014/main" xmlns="" id="{99101E2A-194F-4A6C-B900-5B7E1B8E30B1}"/>
+                <a16:creationId xmlns="" xmlns:a16="http://schemas.microsoft.com/office/drawing/2014/main" id="{99101E2A-194F-4A6C-B900-5B7E1B8E30B1}"/>
               </a:ext>
             </a:extLst>
           </p:cNvPr>
@@ -28565,7 +28565,7 @@
           <p:cNvPr id="10" name="TextBox 9">
             <a:extLst>
               <a:ext uri="{FF2B5EF4-FFF2-40B4-BE49-F238E27FC236}">
-                <a16:creationId xmlns:a16="http://schemas.microsoft.com/office/drawing/2014/main" xmlns="" id="{FCD4B169-A06C-4076-A2B5-F22CC50A444A}"/>
+                <a16:creationId xmlns="" xmlns:a16="http://schemas.microsoft.com/office/drawing/2014/main" id="{FCD4B169-A06C-4076-A2B5-F22CC50A444A}"/>
               </a:ext>
             </a:extLst>
           </p:cNvPr>
@@ -28598,7 +28598,7 @@
     </p:spTree>
     <p:extLst>
       <p:ext uri="{BB962C8B-B14F-4D97-AF65-F5344CB8AC3E}">
-        <p14:creationId xmlns:p14="http://schemas.microsoft.com/office/powerpoint/2010/main" xmlns="" val="383094297"/>
+        <p14:creationId xmlns="" xmlns:p14="http://schemas.microsoft.com/office/powerpoint/2010/main" val="383094297"/>
       </p:ext>
     </p:extLst>
   </p:cSld>
@@ -28637,7 +28637,7 @@
           <p:cNvPr id="2" name="TextBox 1">
             <a:extLst>
               <a:ext uri="{FF2B5EF4-FFF2-40B4-BE49-F238E27FC236}">
-                <a16:creationId xmlns:a16="http://schemas.microsoft.com/office/drawing/2014/main" xmlns="" id="{FDC6CF10-1AF0-484B-BADC-C4D0617E318B}"/>
+                <a16:creationId xmlns="" xmlns:a16="http://schemas.microsoft.com/office/drawing/2014/main" id="{FDC6CF10-1AF0-484B-BADC-C4D0617E318B}"/>
               </a:ext>
             </a:extLst>
           </p:cNvPr>
@@ -28830,7 +28830,7 @@
           <p:cNvPr id="3" name="TextBox 2">
             <a:extLst>
               <a:ext uri="{FF2B5EF4-FFF2-40B4-BE49-F238E27FC236}">
-                <a16:creationId xmlns:a16="http://schemas.microsoft.com/office/drawing/2014/main" xmlns="" id="{3224E6A3-5934-4349-BDE3-01676AE7DD03}"/>
+                <a16:creationId xmlns="" xmlns:a16="http://schemas.microsoft.com/office/drawing/2014/main" id="{3224E6A3-5934-4349-BDE3-01676AE7DD03}"/>
               </a:ext>
             </a:extLst>
           </p:cNvPr>
@@ -28863,7 +28863,7 @@
     </p:spTree>
     <p:extLst>
       <p:ext uri="{BB962C8B-B14F-4D97-AF65-F5344CB8AC3E}">
-        <p14:creationId xmlns:p14="http://schemas.microsoft.com/office/powerpoint/2010/main" xmlns="" val="2475962039"/>
+        <p14:creationId xmlns="" xmlns:p14="http://schemas.microsoft.com/office/powerpoint/2010/main" val="2475962039"/>
       </p:ext>
     </p:extLst>
   </p:cSld>
@@ -28913,7 +28913,7 @@
           <p:cNvPr id="4" name="TextBox 3">
             <a:extLst>
               <a:ext uri="{FF2B5EF4-FFF2-40B4-BE49-F238E27FC236}">
-                <a16:creationId xmlns:a16="http://schemas.microsoft.com/office/drawing/2014/main" xmlns="" id="{B01E7167-17C8-4384-85E6-E96421AC77C0}"/>
+                <a16:creationId xmlns="" xmlns:a16="http://schemas.microsoft.com/office/drawing/2014/main" id="{B01E7167-17C8-4384-85E6-E96421AC77C0}"/>
               </a:ext>
             </a:extLst>
           </p:cNvPr>
@@ -28955,7 +28955,7 @@
           <p:cNvPr id="5" name="Diagram 4">
             <a:extLst>
               <a:ext uri="{FF2B5EF4-FFF2-40B4-BE49-F238E27FC236}">
-                <a16:creationId xmlns:a16="http://schemas.microsoft.com/office/drawing/2014/main" xmlns="" id="{4545ED42-7EC1-4194-81A8-7BA7BF7025B9}"/>
+                <a16:creationId xmlns="" xmlns:a16="http://schemas.microsoft.com/office/drawing/2014/main" id="{4545ED42-7EC1-4194-81A8-7BA7BF7025B9}"/>
               </a:ext>
             </a:extLst>
           </p:cNvPr>
@@ -28963,7 +28963,7 @@
           <p:nvPr>
             <p:extLst>
               <p:ext uri="{D42A27DB-BD31-4B8C-83A1-F6EECF244321}">
-                <p14:modId xmlns:p14="http://schemas.microsoft.com/office/powerpoint/2010/main" xmlns="" val="2405229779"/>
+                <p14:modId xmlns="" xmlns:p14="http://schemas.microsoft.com/office/powerpoint/2010/main" val="2405229779"/>
               </p:ext>
             </p:extLst>
           </p:nvPr>
@@ -29055,7 +29055,7 @@
     </p:spTree>
     <p:extLst>
       <p:ext uri="{BB962C8B-B14F-4D97-AF65-F5344CB8AC3E}">
-        <p14:creationId xmlns:p14="http://schemas.microsoft.com/office/powerpoint/2010/main" xmlns="" val="431374381"/>
+        <p14:creationId xmlns="" xmlns:p14="http://schemas.microsoft.com/office/powerpoint/2010/main" val="431374381"/>
       </p:ext>
     </p:extLst>
   </p:cSld>
@@ -29105,7 +29105,7 @@
           <p:cNvPr id="2" name="TextBox 1">
             <a:extLst>
               <a:ext uri="{FF2B5EF4-FFF2-40B4-BE49-F238E27FC236}">
-                <a16:creationId xmlns:a16="http://schemas.microsoft.com/office/drawing/2014/main" xmlns="" id="{949030DD-EB02-4DA4-B1DF-B5E2C9559ACC}"/>
+                <a16:creationId xmlns="" xmlns:a16="http://schemas.microsoft.com/office/drawing/2014/main" id="{949030DD-EB02-4DA4-B1DF-B5E2C9559ACC}"/>
               </a:ext>
             </a:extLst>
           </p:cNvPr>
@@ -29146,7 +29146,7 @@
           <p:cNvPr id="5" name="TextBox 4">
             <a:extLst>
               <a:ext uri="{FF2B5EF4-FFF2-40B4-BE49-F238E27FC236}">
-                <a16:creationId xmlns:a16="http://schemas.microsoft.com/office/drawing/2014/main" xmlns="" id="{5C47A533-6778-4C83-A548-AB0E92C8BA1D}"/>
+                <a16:creationId xmlns="" xmlns:a16="http://schemas.microsoft.com/office/drawing/2014/main" id="{5C47A533-6778-4C83-A548-AB0E92C8BA1D}"/>
               </a:ext>
             </a:extLst>
           </p:cNvPr>
@@ -29172,7 +29172,15 @@
             <a:pPr algn="ctr"/>
             <a:r>
               <a:rPr lang="en-US" sz="1351" b="1" dirty="0" smtClean="0"/>
-              <a:t>President       (founder)</a:t>
+              <a:t>President       </a:t>
+            </a:r>
+            <a:r>
+              <a:rPr lang="en-US" sz="1351" b="1" dirty="0" smtClean="0"/>
+              <a:t>(Founder</a:t>
+            </a:r>
+            <a:r>
+              <a:rPr lang="en-US" sz="1351" b="1" dirty="0" smtClean="0"/>
+              <a:t>)</a:t>
             </a:r>
             <a:endParaRPr lang="en-US" sz="1351" b="1" dirty="0"/>
           </a:p>
@@ -29219,7 +29227,7 @@
           <p:cNvPr id="15" name="Picture 14">
             <a:extLst>
               <a:ext uri="{FF2B5EF4-FFF2-40B4-BE49-F238E27FC236}">
-                <a16:creationId xmlns:a16="http://schemas.microsoft.com/office/drawing/2014/main" xmlns="" id="{ED4032A5-6FDB-4ACA-84B8-E3090CCCC4A8}"/>
+                <a16:creationId xmlns="" xmlns:a16="http://schemas.microsoft.com/office/drawing/2014/main" id="{ED4032A5-6FDB-4ACA-84B8-E3090CCCC4A8}"/>
               </a:ext>
             </a:extLst>
           </p:cNvPr>
@@ -29232,7 +29240,7 @@
           <a:blip r:embed="rId2" cstate="print">
             <a:extLst>
               <a:ext uri="{28A0092B-C50C-407E-A947-70E740481C1C}">
-                <a14:useLocalDpi xmlns:a14="http://schemas.microsoft.com/office/drawing/2010/main" xmlns="" val="0"/>
+                <a14:useLocalDpi xmlns="" xmlns:a14="http://schemas.microsoft.com/office/drawing/2010/main" val="0"/>
               </a:ext>
             </a:extLst>
           </a:blip>
@@ -29258,7 +29266,7 @@
           <p:cNvPr id="17" name="Picture 16">
             <a:extLst>
               <a:ext uri="{FF2B5EF4-FFF2-40B4-BE49-F238E27FC236}">
-                <a16:creationId xmlns:a16="http://schemas.microsoft.com/office/drawing/2014/main" xmlns="" id="{A0CA1CCA-9452-463A-81A9-C749BC6B473A}"/>
+                <a16:creationId xmlns="" xmlns:a16="http://schemas.microsoft.com/office/drawing/2014/main" id="{A0CA1CCA-9452-463A-81A9-C749BC6B473A}"/>
               </a:ext>
             </a:extLst>
           </p:cNvPr>
@@ -29271,7 +29279,7 @@
           <a:blip r:embed="rId3" cstate="print">
             <a:extLst>
               <a:ext uri="{28A0092B-C50C-407E-A947-70E740481C1C}">
-                <a14:useLocalDpi xmlns:a14="http://schemas.microsoft.com/office/drawing/2010/main" xmlns="" val="0"/>
+                <a14:useLocalDpi xmlns="" xmlns:a14="http://schemas.microsoft.com/office/drawing/2010/main" val="0"/>
               </a:ext>
             </a:extLst>
           </a:blip>
@@ -29297,7 +29305,7 @@
           <p:cNvPr id="18" name="TextBox 17">
             <a:extLst>
               <a:ext uri="{FF2B5EF4-FFF2-40B4-BE49-F238E27FC236}">
-                <a16:creationId xmlns:a16="http://schemas.microsoft.com/office/drawing/2014/main" xmlns="" id="{FABEA4C6-FF65-41F0-B27F-FF4967E2D2BA}"/>
+                <a16:creationId xmlns="" xmlns:a16="http://schemas.microsoft.com/office/drawing/2014/main" id="{FABEA4C6-FF65-41F0-B27F-FF4967E2D2BA}"/>
               </a:ext>
             </a:extLst>
           </p:cNvPr>
@@ -29380,7 +29388,7 @@
           <p:cNvPr id="20" name="Picture 19">
             <a:extLst>
               <a:ext uri="{FF2B5EF4-FFF2-40B4-BE49-F238E27FC236}">
-                <a16:creationId xmlns:a16="http://schemas.microsoft.com/office/drawing/2014/main" xmlns="" id="{66D33BE8-76EE-4E25-A14D-E44935B48A84}"/>
+                <a16:creationId xmlns="" xmlns:a16="http://schemas.microsoft.com/office/drawing/2014/main" id="{66D33BE8-76EE-4E25-A14D-E44935B48A84}"/>
               </a:ext>
             </a:extLst>
           </p:cNvPr>
@@ -29393,7 +29401,7 @@
           <a:blip r:embed="rId4" cstate="print">
             <a:extLst>
               <a:ext uri="{28A0092B-C50C-407E-A947-70E740481C1C}">
-                <a14:useLocalDpi xmlns:a14="http://schemas.microsoft.com/office/drawing/2010/main" xmlns="" val="0"/>
+                <a14:useLocalDpi xmlns="" xmlns:a14="http://schemas.microsoft.com/office/drawing/2010/main" val="0"/>
               </a:ext>
             </a:extLst>
           </a:blip>
@@ -29419,7 +29427,7 @@
           <p:cNvPr id="22" name="Picture 21">
             <a:extLst>
               <a:ext uri="{FF2B5EF4-FFF2-40B4-BE49-F238E27FC236}">
-                <a16:creationId xmlns:a16="http://schemas.microsoft.com/office/drawing/2014/main" xmlns="" id="{5B306D6D-02A6-4061-898B-B86123B40239}"/>
+                <a16:creationId xmlns="" xmlns:a16="http://schemas.microsoft.com/office/drawing/2014/main" id="{5B306D6D-02A6-4061-898B-B86123B40239}"/>
               </a:ext>
             </a:extLst>
           </p:cNvPr>
@@ -29432,7 +29440,7 @@
           <a:blip r:embed="rId5" cstate="print">
             <a:extLst>
               <a:ext uri="{28A0092B-C50C-407E-A947-70E740481C1C}">
-                <a14:useLocalDpi xmlns:a14="http://schemas.microsoft.com/office/drawing/2010/main" xmlns="" val="0"/>
+                <a14:useLocalDpi xmlns="" xmlns:a14="http://schemas.microsoft.com/office/drawing/2010/main" val="0"/>
               </a:ext>
             </a:extLst>
           </a:blip>
@@ -29458,7 +29466,7 @@
           <p:cNvPr id="23" name="TextBox 22">
             <a:extLst>
               <a:ext uri="{FF2B5EF4-FFF2-40B4-BE49-F238E27FC236}">
-                <a16:creationId xmlns:a16="http://schemas.microsoft.com/office/drawing/2014/main" xmlns="" id="{F897738F-4FAE-459F-BA0A-69A55EEC88FC}"/>
+                <a16:creationId xmlns="" xmlns:a16="http://schemas.microsoft.com/office/drawing/2014/main" id="{F897738F-4FAE-459F-BA0A-69A55EEC88FC}"/>
               </a:ext>
             </a:extLst>
           </p:cNvPr>
@@ -29468,7 +29476,7 @@
         <p:spPr>
           <a:xfrm>
             <a:off x="5117214" y="4085143"/>
-            <a:ext cx="1335837" cy="715965"/>
+            <a:ext cx="1335837" cy="508088"/>
           </a:xfrm>
           <a:prstGeom prst="rect">
             <a:avLst/>
@@ -29488,12 +29496,6 @@
             <a:r>
               <a:rPr lang="en-US" sz="1351" b="1" dirty="0" smtClean="0"/>
               <a:t>Secretary</a:t>
-            </a:r>
-          </a:p>
-          <a:p>
-            <a:r>
-              <a:rPr lang="en-US" sz="1351" b="1" dirty="0" smtClean="0"/>
-              <a:t>(Co- founder)</a:t>
             </a:r>
             <a:endParaRPr lang="en-US" sz="1351" b="1" dirty="0"/>
           </a:p>
@@ -29519,7 +29521,7 @@
           <p:cNvPr id="24" name="TextBox 23">
             <a:extLst>
               <a:ext uri="{FF2B5EF4-FFF2-40B4-BE49-F238E27FC236}">
-                <a16:creationId xmlns:a16="http://schemas.microsoft.com/office/drawing/2014/main" xmlns="" id="{51F75EA3-31D3-48E1-B00E-57A8FC5411F3}"/>
+                <a16:creationId xmlns="" xmlns:a16="http://schemas.microsoft.com/office/drawing/2014/main" id="{51F75EA3-31D3-48E1-B00E-57A8FC5411F3}"/>
               </a:ext>
             </a:extLst>
           </p:cNvPr>
@@ -29529,7 +29531,7 @@
         <p:spPr>
           <a:xfrm>
             <a:off x="6995334" y="4085146"/>
-            <a:ext cx="2019947" cy="923843"/>
+            <a:ext cx="2019947" cy="715965"/>
           </a:xfrm>
           <a:prstGeom prst="rect">
             <a:avLst/>
@@ -29559,31 +29561,7 @@
           <a:p>
             <a:pPr algn="ctr"/>
             <a:r>
-              <a:rPr lang="en-US" sz="1351" b="1" dirty="0" smtClean="0">
-                <a:solidFill>
-                  <a:schemeClr val="tx1">
-                    <a:lumMod val="95000"/>
-                    <a:lumOff val="5000"/>
-                  </a:schemeClr>
-                </a:solidFill>
-                <a:latin typeface="+mj-lt"/>
-              </a:rPr>
-              <a:t>(Co-founder)</a:t>
-            </a:r>
-            <a:endParaRPr lang="en-US" sz="1351" b="1" dirty="0">
-              <a:solidFill>
-                <a:schemeClr val="tx1">
-                  <a:lumMod val="95000"/>
-                  <a:lumOff val="5000"/>
-                </a:schemeClr>
-              </a:solidFill>
-              <a:latin typeface="+mj-lt"/>
-            </a:endParaRPr>
-          </a:p>
-          <a:p>
-            <a:pPr algn="ctr"/>
-            <a:r>
-              <a:rPr lang="en-US" sz="1351" dirty="0" err="1">
+              <a:rPr lang="en-US" sz="1351" dirty="0" err="1" smtClean="0">
                 <a:solidFill>
                   <a:schemeClr val="tx1">
                     <a:lumMod val="85000"/>
@@ -29595,6 +29573,18 @@
               <a:t>Mohd</a:t>
             </a:r>
             <a:r>
+              <a:rPr lang="en-US" sz="1351" dirty="0" smtClean="0">
+                <a:solidFill>
+                  <a:schemeClr val="tx1">
+                    <a:lumMod val="85000"/>
+                    <a:lumOff val="15000"/>
+                  </a:schemeClr>
+                </a:solidFill>
+                <a:latin typeface="Gill Sans MT" panose="020B0502020104020203" pitchFamily="34" charset="0"/>
+              </a:rPr>
+              <a:t> </a:t>
+            </a:r>
+            <a:r>
               <a:rPr lang="en-US" sz="1351" dirty="0">
                 <a:solidFill>
                   <a:schemeClr val="tx1">
@@ -29604,7 +29594,7 @@
                 </a:solidFill>
                 <a:latin typeface="Gill Sans MT" panose="020B0502020104020203" pitchFamily="34" charset="0"/>
               </a:rPr>
-              <a:t> Hamzah Siddiqui</a:t>
+              <a:t>Hamzah Siddiqui</a:t>
             </a:r>
           </a:p>
           <a:p>
@@ -29623,7 +29613,7 @@
           <p:cNvPr id="30" name="Straight Connector 29">
             <a:extLst>
               <a:ext uri="{FF2B5EF4-FFF2-40B4-BE49-F238E27FC236}">
-                <a16:creationId xmlns:a16="http://schemas.microsoft.com/office/drawing/2014/main" xmlns="" id="{68D2D1CE-7EE0-4F3F-9893-92D9A5423CD0}"/>
+                <a16:creationId xmlns="" xmlns:a16="http://schemas.microsoft.com/office/drawing/2014/main" id="{68D2D1CE-7EE0-4F3F-9893-92D9A5423CD0}"/>
               </a:ext>
             </a:extLst>
           </p:cNvPr>
@@ -29667,7 +29657,7 @@
     </p:spTree>
     <p:extLst>
       <p:ext uri="{BB962C8B-B14F-4D97-AF65-F5344CB8AC3E}">
-        <p14:creationId xmlns:p14="http://schemas.microsoft.com/office/powerpoint/2010/main" xmlns="" val="340530893"/>
+        <p14:creationId xmlns="" xmlns:p14="http://schemas.microsoft.com/office/powerpoint/2010/main" val="340530893"/>
       </p:ext>
     </p:extLst>
   </p:cSld>
@@ -29750,7 +29740,7 @@
           <p:nvPr>
             <p:extLst>
               <p:ext uri="{D42A27DB-BD31-4B8C-83A1-F6EECF244321}">
-                <p14:modId xmlns:p14="http://schemas.microsoft.com/office/powerpoint/2010/main" xmlns="" val="1711811976"/>
+                <p14:modId xmlns="" xmlns:p14="http://schemas.microsoft.com/office/powerpoint/2010/main" val="1711811976"/>
               </p:ext>
             </p:extLst>
           </p:nvPr>
@@ -29820,7 +29810,7 @@
     </p:spTree>
     <p:extLst>
       <p:ext uri="{BB962C8B-B14F-4D97-AF65-F5344CB8AC3E}">
-        <p14:creationId xmlns:p14="http://schemas.microsoft.com/office/powerpoint/2010/main" xmlns="" val="2011820897"/>
+        <p14:creationId xmlns="" xmlns:p14="http://schemas.microsoft.com/office/powerpoint/2010/main" val="2011820897"/>
       </p:ext>
     </p:extLst>
   </p:cSld>
@@ -30086,7 +30076,7 @@
     </p:spTree>
     <p:extLst>
       <p:ext uri="{BB962C8B-B14F-4D97-AF65-F5344CB8AC3E}">
-        <p14:creationId xmlns:p14="http://schemas.microsoft.com/office/powerpoint/2010/main" xmlns="" val="251141883"/>
+        <p14:creationId xmlns="" xmlns:p14="http://schemas.microsoft.com/office/powerpoint/2010/main" val="251141883"/>
       </p:ext>
     </p:extLst>
   </p:cSld>
@@ -30139,7 +30129,7 @@
           <p:cNvPr id="2" name="TextBox 1">
             <a:extLst>
               <a:ext uri="{FF2B5EF4-FFF2-40B4-BE49-F238E27FC236}">
-                <a16:creationId xmlns:a16="http://schemas.microsoft.com/office/drawing/2014/main" xmlns="" id="{F594CC00-AB86-4E12-8BEF-B05D07D46D41}"/>
+                <a16:creationId xmlns="" xmlns:a16="http://schemas.microsoft.com/office/drawing/2014/main" id="{F594CC00-AB86-4E12-8BEF-B05D07D46D41}"/>
               </a:ext>
             </a:extLst>
           </p:cNvPr>
@@ -30180,7 +30170,7 @@
           <p:cNvPr id="3" name="TextBox 2">
             <a:extLst>
               <a:ext uri="{FF2B5EF4-FFF2-40B4-BE49-F238E27FC236}">
-                <a16:creationId xmlns:a16="http://schemas.microsoft.com/office/drawing/2014/main" xmlns="" id="{9DFDE92B-4183-44F9-A7A9-A707B1C99A15}"/>
+                <a16:creationId xmlns="" xmlns:a16="http://schemas.microsoft.com/office/drawing/2014/main" id="{9DFDE92B-4183-44F9-A7A9-A707B1C99A15}"/>
               </a:ext>
             </a:extLst>
           </p:cNvPr>
@@ -30237,7 +30227,7 @@
     </p:spTree>
     <p:extLst>
       <p:ext uri="{BB962C8B-B14F-4D97-AF65-F5344CB8AC3E}">
-        <p14:creationId xmlns:p14="http://schemas.microsoft.com/office/powerpoint/2010/main" xmlns="" val="3592878638"/>
+        <p14:creationId xmlns="" xmlns:p14="http://schemas.microsoft.com/office/powerpoint/2010/main" val="3592878638"/>
       </p:ext>
     </p:extLst>
   </p:cSld>
@@ -30276,7 +30266,7 @@
           <p:cNvPr id="2" name="Title 1">
             <a:extLst>
               <a:ext uri="{FF2B5EF4-FFF2-40B4-BE49-F238E27FC236}">
-                <a16:creationId xmlns:a16="http://schemas.microsoft.com/office/drawing/2014/main" xmlns="" id="{35524BF0-E0F8-4C20-80C2-67232C6412DB}"/>
+                <a16:creationId xmlns="" xmlns:a16="http://schemas.microsoft.com/office/drawing/2014/main" id="{35524BF0-E0F8-4C20-80C2-67232C6412DB}"/>
               </a:ext>
             </a:extLst>
           </p:cNvPr>
@@ -30309,7 +30299,7 @@
           <p:cNvPr id="4" name="TextBox 3">
             <a:extLst>
               <a:ext uri="{FF2B5EF4-FFF2-40B4-BE49-F238E27FC236}">
-                <a16:creationId xmlns:a16="http://schemas.microsoft.com/office/drawing/2014/main" xmlns="" id="{F2C7E107-7426-48E9-8D33-21BDEEEA333F}"/>
+                <a16:creationId xmlns="" xmlns:a16="http://schemas.microsoft.com/office/drawing/2014/main" id="{F2C7E107-7426-48E9-8D33-21BDEEEA333F}"/>
               </a:ext>
             </a:extLst>
           </p:cNvPr>
@@ -30445,7 +30435,7 @@
           <p:cNvPr id="5" name="Picture 4">
             <a:extLst>
               <a:ext uri="{FF2B5EF4-FFF2-40B4-BE49-F238E27FC236}">
-                <a16:creationId xmlns:a16="http://schemas.microsoft.com/office/drawing/2014/main" xmlns="" id="{CDEDD00B-B96E-4191-B06D-4C19789A3A0E}"/>
+                <a16:creationId xmlns="" xmlns:a16="http://schemas.microsoft.com/office/drawing/2014/main" id="{CDEDD00B-B96E-4191-B06D-4C19789A3A0E}"/>
               </a:ext>
             </a:extLst>
           </p:cNvPr>
@@ -30473,7 +30463,7 @@
     </p:spTree>
     <p:extLst>
       <p:ext uri="{BB962C8B-B14F-4D97-AF65-F5344CB8AC3E}">
-        <p14:creationId xmlns:p14="http://schemas.microsoft.com/office/powerpoint/2010/main" xmlns="" val="3277588373"/>
+        <p14:creationId xmlns="" xmlns:p14="http://schemas.microsoft.com/office/powerpoint/2010/main" val="3277588373"/>
       </p:ext>
     </p:extLst>
   </p:cSld>
@@ -30522,7 +30512,7 @@
           <p:cNvPr id="2" name="Picture 1">
             <a:extLst>
               <a:ext uri="{FF2B5EF4-FFF2-40B4-BE49-F238E27FC236}">
-                <a16:creationId xmlns:a16="http://schemas.microsoft.com/office/drawing/2014/main" xmlns="" id="{B7F3F166-33E2-4262-B3F9-D1E436B4E8D1}"/>
+                <a16:creationId xmlns="" xmlns:a16="http://schemas.microsoft.com/office/drawing/2014/main" id="{B7F3F166-33E2-4262-B3F9-D1E436B4E8D1}"/>
               </a:ext>
             </a:extLst>
           </p:cNvPr>
@@ -30552,7 +30542,7 @@
           <p:cNvPr id="3" name="TextBox 2">
             <a:extLst>
               <a:ext uri="{FF2B5EF4-FFF2-40B4-BE49-F238E27FC236}">
-                <a16:creationId xmlns:a16="http://schemas.microsoft.com/office/drawing/2014/main" xmlns="" id="{2238B6D1-F493-43A9-A3A3-61BD6BCAFA73}"/>
+                <a16:creationId xmlns="" xmlns:a16="http://schemas.microsoft.com/office/drawing/2014/main" id="{2238B6D1-F493-43A9-A3A3-61BD6BCAFA73}"/>
               </a:ext>
             </a:extLst>
           </p:cNvPr>
@@ -30624,7 +30614,7 @@
           <p:cNvPr id="4" name="TextBox 3">
             <a:extLst>
               <a:ext uri="{FF2B5EF4-FFF2-40B4-BE49-F238E27FC236}">
-                <a16:creationId xmlns:a16="http://schemas.microsoft.com/office/drawing/2014/main" xmlns="" id="{DD888758-2B6F-4DD2-BF84-89E14D50A060}"/>
+                <a16:creationId xmlns="" xmlns:a16="http://schemas.microsoft.com/office/drawing/2014/main" id="{DD888758-2B6F-4DD2-BF84-89E14D50A060}"/>
               </a:ext>
             </a:extLst>
           </p:cNvPr>
@@ -30675,7 +30665,7 @@
     </p:spTree>
     <p:extLst>
       <p:ext uri="{BB962C8B-B14F-4D97-AF65-F5344CB8AC3E}">
-        <p14:creationId xmlns:p14="http://schemas.microsoft.com/office/powerpoint/2010/main" xmlns="" val="2454491070"/>
+        <p14:creationId xmlns="" xmlns:p14="http://schemas.microsoft.com/office/powerpoint/2010/main" val="2454491070"/>
       </p:ext>
     </p:extLst>
   </p:cSld>
@@ -30789,7 +30779,7 @@
           <p:nvPr>
             <p:extLst>
               <p:ext uri="{D42A27DB-BD31-4B8C-83A1-F6EECF244321}">
-                <p14:modId xmlns:p14="http://schemas.microsoft.com/office/powerpoint/2010/main" xmlns="" val="671873369"/>
+                <p14:modId xmlns="" xmlns:p14="http://schemas.microsoft.com/office/powerpoint/2010/main" val="671873369"/>
               </p:ext>
             </p:extLst>
           </p:nvPr>
@@ -30807,7 +30797,7 @@
     </p:spTree>
     <p:extLst>
       <p:ext uri="{BB962C8B-B14F-4D97-AF65-F5344CB8AC3E}">
-        <p14:creationId xmlns:p14="http://schemas.microsoft.com/office/powerpoint/2010/main" xmlns="" val="2692806143"/>
+        <p14:creationId xmlns="" xmlns:p14="http://schemas.microsoft.com/office/powerpoint/2010/main" val="2692806143"/>
       </p:ext>
     </p:extLst>
   </p:cSld>
@@ -30857,7 +30847,7 @@
           <p:cNvPr id="2" name="TextBox 1">
             <a:extLst>
               <a:ext uri="{FF2B5EF4-FFF2-40B4-BE49-F238E27FC236}">
-                <a16:creationId xmlns:a16="http://schemas.microsoft.com/office/drawing/2014/main" xmlns="" id="{F986E989-A0FE-4371-A112-B6142A25A848}"/>
+                <a16:creationId xmlns="" xmlns:a16="http://schemas.microsoft.com/office/drawing/2014/main" id="{F986E989-A0FE-4371-A112-B6142A25A848}"/>
               </a:ext>
             </a:extLst>
           </p:cNvPr>
@@ -30924,7 +30914,7 @@
           <p:cNvPr id="3" name="TextBox 2">
             <a:extLst>
               <a:ext uri="{FF2B5EF4-FFF2-40B4-BE49-F238E27FC236}">
-                <a16:creationId xmlns:a16="http://schemas.microsoft.com/office/drawing/2014/main" xmlns="" id="{18DDF04C-9CB4-428A-919B-1EC16C5123C3}"/>
+                <a16:creationId xmlns="" xmlns:a16="http://schemas.microsoft.com/office/drawing/2014/main" id="{18DDF04C-9CB4-428A-919B-1EC16C5123C3}"/>
               </a:ext>
             </a:extLst>
           </p:cNvPr>
@@ -30970,7 +30960,7 @@
     </p:spTree>
     <p:extLst>
       <p:ext uri="{BB962C8B-B14F-4D97-AF65-F5344CB8AC3E}">
-        <p14:creationId xmlns:p14="http://schemas.microsoft.com/office/powerpoint/2010/main" xmlns="" val="3243357681"/>
+        <p14:creationId xmlns="" xmlns:p14="http://schemas.microsoft.com/office/powerpoint/2010/main" val="3243357681"/>
       </p:ext>
     </p:extLst>
   </p:cSld>
@@ -31916,7 +31906,7 @@
     </p:spTree>
     <p:extLst>
       <p:ext uri="{BB962C8B-B14F-4D97-AF65-F5344CB8AC3E}">
-        <p14:creationId xmlns:p14="http://schemas.microsoft.com/office/powerpoint/2010/main" xmlns="" val="692435087"/>
+        <p14:creationId xmlns="" xmlns:p14="http://schemas.microsoft.com/office/powerpoint/2010/main" val="692435087"/>
       </p:ext>
     </p:extLst>
   </p:cSld>
@@ -32661,7 +32651,7 @@
           <p:nvPr>
             <p:extLst>
               <p:ext uri="{D42A27DB-BD31-4B8C-83A1-F6EECF244321}">
-                <p14:modId xmlns:p14="http://schemas.microsoft.com/office/powerpoint/2010/main" xmlns="" val="796838910"/>
+                <p14:modId xmlns="" xmlns:p14="http://schemas.microsoft.com/office/powerpoint/2010/main" val="796838910"/>
               </p:ext>
             </p:extLst>
           </p:nvPr>
@@ -32679,7 +32669,7 @@
     </p:spTree>
     <p:extLst>
       <p:ext uri="{BB962C8B-B14F-4D97-AF65-F5344CB8AC3E}">
-        <p14:creationId xmlns:p14="http://schemas.microsoft.com/office/powerpoint/2010/main" xmlns="" val="2657093943"/>
+        <p14:creationId xmlns="" xmlns:p14="http://schemas.microsoft.com/office/powerpoint/2010/main" val="2657093943"/>
       </p:ext>
     </p:extLst>
   </p:cSld>
@@ -32791,7 +32781,7 @@
           <p:nvPr>
             <p:extLst>
               <p:ext uri="{D42A27DB-BD31-4B8C-83A1-F6EECF244321}">
-                <p14:modId xmlns:p14="http://schemas.microsoft.com/office/powerpoint/2010/main" xmlns="" val="2427205853"/>
+                <p14:modId xmlns="" xmlns:p14="http://schemas.microsoft.com/office/powerpoint/2010/main" val="2427205853"/>
               </p:ext>
             </p:extLst>
           </p:nvPr>
@@ -32835,7 +32825,7 @@
     </p:spTree>
     <p:extLst>
       <p:ext uri="{BB962C8B-B14F-4D97-AF65-F5344CB8AC3E}">
-        <p14:creationId xmlns:p14="http://schemas.microsoft.com/office/powerpoint/2010/main" xmlns="" val="619740859"/>
+        <p14:creationId xmlns="" xmlns:p14="http://schemas.microsoft.com/office/powerpoint/2010/main" val="619740859"/>
       </p:ext>
     </p:extLst>
   </p:cSld>
@@ -33106,7 +33096,7 @@
   <a:extraClrSchemeLst/>
   <a:extLst>
     <a:ext uri="{05A4C25C-085E-4340-85A3-A5531E510DB2}">
-      <thm15:themeFamily xmlns:thm15="http://schemas.microsoft.com/office/thememl/2012/main" xmlns="" name="Parcel" id="{8BEC4385-4EB9-4D53-BFB5-0EA123736B6D}" vid="{4DB32801-28C0-48B0-8C1D-A9A58613615A}"/>
+      <thm15:themeFamily xmlns="" xmlns:thm15="http://schemas.microsoft.com/office/thememl/2012/main" name="Parcel" id="{8BEC4385-4EB9-4D53-BFB5-0EA123736B6D}" vid="{4DB32801-28C0-48B0-8C1D-A9A58613615A}"/>
     </a:ext>
   </a:extLst>
 </a:theme>
